--- a/docs/2018_spring/slides/BFS_DFS.pptx
+++ b/docs/2018_spring/slides/BFS_DFS.pptx
@@ -386,7 +386,7 @@
               <a:pPr>
                 <a:defRPr/>
               </a:pPr>
-              <a:t>2018/2/24</a:t>
+              <a:t>2018/3/8</a:t>
             </a:fld>
             <a:endParaRPr lang="en-US" altLang="zh-TW"/>
           </a:p>
@@ -615,7 +615,7 @@
               <a:pPr>
                 <a:defRPr/>
               </a:pPr>
-              <a:t>2018/2/24</a:t>
+              <a:t>2018/3/8</a:t>
             </a:fld>
             <a:endParaRPr lang="zh-TW" altLang="en-US"/>
           </a:p>
@@ -1267,10 +1267,10 @@
               <a:defRPr/>
             </a:pPr>
             <a:r>
-              <a:rPr lang="en-US" altLang="zh-TW"/>
+              <a:rPr lang="en-US" altLang="zh-TW" dirty="0"/>
               <a:t>NCKU CSIE Programming Contest Training Course</a:t>
             </a:r>
-            <a:endParaRPr lang="zh-TW" altLang="en-US"/>
+            <a:endParaRPr lang="zh-TW" altLang="en-US" dirty="0"/>
           </a:p>
         </p:txBody>
       </p:sp>
@@ -1905,10 +1905,10 @@
               <a:defRPr/>
             </a:pPr>
             <a:r>
-              <a:rPr lang="en-US" altLang="zh-TW"/>
+              <a:rPr lang="en-US" altLang="zh-TW" dirty="0"/>
               <a:t>NCKU CSIE Programming Contest Training Course</a:t>
             </a:r>
-            <a:endParaRPr lang="zh-TW" altLang="en-US"/>
+            <a:endParaRPr lang="zh-TW" altLang="en-US" dirty="0"/>
           </a:p>
         </p:txBody>
       </p:sp>
@@ -2110,10 +2110,10 @@
               <a:defRPr/>
             </a:pPr>
             <a:r>
-              <a:rPr lang="en-US" altLang="zh-TW"/>
+              <a:rPr lang="en-US" altLang="zh-TW" dirty="0"/>
               <a:t>NCKU CSIE Programming Contest Training Course</a:t>
             </a:r>
-            <a:endParaRPr lang="zh-TW" altLang="en-US"/>
+            <a:endParaRPr lang="zh-TW" altLang="en-US" dirty="0"/>
           </a:p>
         </p:txBody>
       </p:sp>
@@ -3924,10 +3924,10 @@
               <a:defRPr/>
             </a:pPr>
             <a:r>
-              <a:rPr lang="en-US" altLang="zh-TW"/>
+              <a:rPr lang="en-US" altLang="zh-TW" dirty="0"/>
               <a:t>NCKU CSIE Programming Contest Training Course</a:t>
             </a:r>
-            <a:endParaRPr lang="zh-TW" altLang="en-US"/>
+            <a:endParaRPr lang="zh-TW" altLang="en-US" dirty="0"/>
           </a:p>
         </p:txBody>
       </p:sp>
@@ -4779,13 +4779,13 @@
                 <a:ea typeface="Verdana"/>
                 <a:cs typeface="Verdana"/>
               </a:rPr>
-              <a:t>Course 3</a:t>
+              <a:t>Course </a:t>
             </a:r>
           </a:p>
           <a:p>
             <a:pPr algn="ctr"/>
             <a:r>
-              <a:rPr lang="en-US" altLang="zh-TW" sz="5400" b="1" kern="10">
+              <a:rPr lang="en-US" altLang="zh-TW" sz="5400" b="1" kern="10" dirty="0">
                 <a:ln w="28575">
                   <a:solidFill>
                     <a:schemeClr val="tx1"/>
@@ -4819,7 +4819,7 @@
               <a:t>201</a:t>
             </a:r>
             <a:r>
-              <a:rPr lang="en-US" altLang="zh-Hant" sz="5400" b="1" kern="10">
+              <a:rPr lang="en-US" altLang="zh-Hant" sz="5400" b="1" kern="10" dirty="0">
                 <a:ln w="28575">
                   <a:solidFill>
                     <a:schemeClr val="tx1"/>
@@ -4853,7 +4853,7 @@
               <a:t>8</a:t>
             </a:r>
             <a:r>
-              <a:rPr lang="en-US" altLang="zh-TW" sz="5400" b="1" kern="10">
+              <a:rPr lang="en-US" altLang="zh-TW" sz="5400" b="1" kern="10" dirty="0">
                 <a:ln w="28575">
                   <a:solidFill>
                     <a:schemeClr val="tx1"/>
@@ -4887,7 +4887,7 @@
               <a:t>/0</a:t>
             </a:r>
             <a:r>
-              <a:rPr lang="en-US" altLang="zh-Hant" sz="5400" b="1" kern="10">
+              <a:rPr lang="en-US" altLang="zh-Hant" sz="5400" b="1" kern="10" dirty="0">
                 <a:ln w="28575">
                   <a:solidFill>
                     <a:schemeClr val="tx1"/>
@@ -4918,10 +4918,10 @@
                 <a:ea typeface="Verdana"/>
                 <a:cs typeface="Verdana"/>
               </a:rPr>
-              <a:t>2</a:t>
-            </a:r>
-            <a:r>
-              <a:rPr lang="en-US" altLang="zh-TW" sz="5400" b="1" kern="10">
+              <a:t>3</a:t>
+            </a:r>
+            <a:r>
+              <a:rPr lang="en-US" altLang="zh-TW" sz="5400" b="1" kern="10" dirty="0">
                 <a:ln w="28575">
                   <a:solidFill>
                     <a:schemeClr val="tx1"/>
@@ -4955,7 +4955,7 @@
               <a:t>/</a:t>
             </a:r>
             <a:r>
-              <a:rPr lang="en-US" altLang="zh-Hant" sz="5400" b="1" kern="10">
+              <a:rPr lang="en-US" altLang="zh-Hant" sz="5400" b="1" kern="10" dirty="0">
                 <a:ln w="28575">
                   <a:solidFill>
                     <a:schemeClr val="tx1"/>
@@ -4986,7 +4986,7 @@
                 <a:ea typeface="Verdana"/>
                 <a:cs typeface="Verdana"/>
               </a:rPr>
-              <a:t>24</a:t>
+              <a:t>08</a:t>
             </a:r>
             <a:endParaRPr lang="zh-TW" altLang="en-US" sz="5400" b="1" kern="10" dirty="0">
               <a:ln w="28575">
@@ -5119,11 +5119,7 @@
             </a:pPr>
             <a:r>
               <a:rPr kumimoji="0" lang="en-US" altLang="zh-Hant" sz="2000" i="1" dirty="0" err="1"/>
-              <a:t>laochanlam</a:t>
-            </a:r>
-            <a:r>
-              <a:rPr kumimoji="0" lang="en-US" altLang="zh-TW" sz="2000" i="1" dirty="0" err="1"/>
-              <a:t>@gmail.com</a:t>
+              <a:t>nckuacm@imslab.org</a:t>
             </a:r>
             <a:endParaRPr kumimoji="0" lang="en-US" altLang="zh-TW" sz="2000" i="1" dirty="0"/>
           </a:p>
@@ -65074,7 +65070,7 @@
                   <a:srgbClr val="0000FF"/>
                 </a:solidFill>
               </a:rPr>
-              <a:t>Totally 2</a:t>
+              <a:t>Totally </a:t>
             </a:r>
             <a:r>
               <a:rPr lang="en-US" altLang="zh-Hant" sz="2800" b="1" dirty="0">
@@ -65082,7 +65078,7 @@
                   <a:srgbClr val="0000FF"/>
                 </a:solidFill>
               </a:rPr>
-              <a:t>8</a:t>
+              <a:t>30</a:t>
             </a:r>
             <a:r>
               <a:rPr lang="en-US" altLang="zh-TW" sz="2800" b="1" dirty="0">
@@ -65154,6 +65150,26 @@
             <a:r>
               <a:rPr lang="en-US" altLang="zh-TW" sz="2800" dirty="0"/>
               <a:t>		762,10004,10009,10474, 10505,10592,10603, 	10946, 11624</a:t>
+            </a:r>
+            <a:r>
+              <a:rPr lang="en-US" altLang="zh-Hant" sz="2800" dirty="0"/>
+              <a:t>,</a:t>
+            </a:r>
+            <a:r>
+              <a:rPr lang="zh-Hant" altLang="en-US" sz="2800" dirty="0"/>
+              <a:t> </a:t>
+            </a:r>
+            <a:r>
+              <a:rPr lang="en-US" altLang="zh-Hant" sz="2800" dirty="0"/>
+              <a:t>532,</a:t>
+            </a:r>
+            <a:r>
+              <a:rPr lang="zh-Hant" altLang="en-US" sz="2800" dirty="0"/>
+              <a:t> </a:t>
+            </a:r>
+            <a:r>
+              <a:rPr lang="en-US" altLang="zh-Hant" sz="2800" dirty="0"/>
+              <a:t>572</a:t>
             </a:r>
             <a:endParaRPr lang="en-US" altLang="zh-TW" sz="2800" b="1" dirty="0">
               <a:solidFill>
